--- a/00-introduction/introduction-slides.pptx
+++ b/00-introduction/introduction-slides.pptx
@@ -282,7 +282,7 @@
       </p15:sldGuideLst>
     </p:ext>
     <p:ext uri="GoogleSlidesCustomDataVersion2">
-      <go:slidesCustomData xmlns="" xmlns:mc="http://schemas.openxmlformats.org/markup-compatibility/2006" xmlns:mv="urn:schemas-microsoft-com:mac:vml" xmlns:c="http://schemas.openxmlformats.org/drawingml/2006/chart" xmlns:dgm="http://schemas.openxmlformats.org/drawingml/2006/diagram" xmlns:o="urn:schemas-microsoft-com:office:office" xmlns:v="urn:schemas-microsoft-com:vml" xmlns:pvml="urn:schemas-microsoft-com:office:powerpoint" xmlns:com="http://schemas.openxmlformats.org/drawingml/2006/compatibility" xmlns:p14="http://schemas.microsoft.com/office/powerpoint/2010/main" xmlns:p15="http://schemas.microsoft.com/office/powerpoint/2012/main" xmlns:ahyp="http://schemas.microsoft.com/office/drawing/2018/hyperlinkcolor" xmlns:go="http://customooxmlschemas.google.com/" r:id="rId31" roundtripDataSignature="AMtx7mgec6XkJrYLMqIfmNf7DzA/BRS6YA=="/>
+      <go:slidesCustomData xmlns:go="http://customooxmlschemas.google.com/" xmlns:ahyp="http://schemas.microsoft.com/office/drawing/2018/hyperlinkcolor" xmlns:p15="http://schemas.microsoft.com/office/powerpoint/2012/main" xmlns:p14="http://schemas.microsoft.com/office/powerpoint/2010/main" xmlns:com="http://schemas.openxmlformats.org/drawingml/2006/compatibility" xmlns:pvml="urn:schemas-microsoft-com:office:powerpoint" xmlns:v="urn:schemas-microsoft-com:vml" xmlns:o="urn:schemas-microsoft-com:office:office" xmlns:dgm="http://schemas.openxmlformats.org/drawingml/2006/diagram" xmlns:c="http://schemas.openxmlformats.org/drawingml/2006/chart" xmlns:mv="urn:schemas-microsoft-com:mac:vml" xmlns:mc="http://schemas.openxmlformats.org/markup-compatibility/2006" xmlns="" r:id="rId31" roundtripDataSignature="AMtx7mgec6XkJrYLMqIfmNf7DzA/BRS6YA=="/>
     </p:ext>
   </p:extLst>
 </p:presentation>
@@ -13402,7 +13402,7 @@
         <p:fade/>
       </p:transition>
     </mc:Choice>
-    <mc:Fallback xmlns="" xmlns:mv="urn:schemas-microsoft-com:mac:vml" xmlns:c="http://schemas.openxmlformats.org/drawingml/2006/chart" xmlns:dgm="http://schemas.openxmlformats.org/drawingml/2006/diagram" xmlns:o="urn:schemas-microsoft-com:office:office" xmlns:v="urn:schemas-microsoft-com:vml" xmlns:pvml="urn:schemas-microsoft-com:office:powerpoint" xmlns:com="http://schemas.openxmlformats.org/drawingml/2006/compatibility" xmlns:p15="http://schemas.microsoft.com/office/powerpoint/2012/main" xmlns:ahyp="http://schemas.microsoft.com/office/drawing/2018/hyperlinkcolor">
+    <mc:Fallback xmlns:ahyp="http://schemas.microsoft.com/office/drawing/2018/hyperlinkcolor" xmlns:p15="http://schemas.microsoft.com/office/powerpoint/2012/main" xmlns:com="http://schemas.openxmlformats.org/drawingml/2006/compatibility" xmlns:pvml="urn:schemas-microsoft-com:office:powerpoint" xmlns:v="urn:schemas-microsoft-com:vml" xmlns:o="urn:schemas-microsoft-com:office:office" xmlns:dgm="http://schemas.openxmlformats.org/drawingml/2006/diagram" xmlns:c="http://schemas.openxmlformats.org/drawingml/2006/chart" xmlns:mv="urn:schemas-microsoft-com:mac:vml" xmlns="">
       <p:transition spd="slow">
         <p:fade/>
       </p:transition>
@@ -14161,7 +14161,7 @@
         <p:fade/>
       </p:transition>
     </mc:Choice>
-    <mc:Fallback xmlns="" xmlns:mv="urn:schemas-microsoft-com:mac:vml" xmlns:c="http://schemas.openxmlformats.org/drawingml/2006/chart" xmlns:dgm="http://schemas.openxmlformats.org/drawingml/2006/diagram" xmlns:o="urn:schemas-microsoft-com:office:office" xmlns:v="urn:schemas-microsoft-com:vml" xmlns:pvml="urn:schemas-microsoft-com:office:powerpoint" xmlns:com="http://schemas.openxmlformats.org/drawingml/2006/compatibility" xmlns:p15="http://schemas.microsoft.com/office/powerpoint/2012/main" xmlns:ahyp="http://schemas.microsoft.com/office/drawing/2018/hyperlinkcolor">
+    <mc:Fallback xmlns:ahyp="http://schemas.microsoft.com/office/drawing/2018/hyperlinkcolor" xmlns:p15="http://schemas.microsoft.com/office/powerpoint/2012/main" xmlns:com="http://schemas.openxmlformats.org/drawingml/2006/compatibility" xmlns:pvml="urn:schemas-microsoft-com:office:powerpoint" xmlns:v="urn:schemas-microsoft-com:vml" xmlns:o="urn:schemas-microsoft-com:office:office" xmlns:dgm="http://schemas.openxmlformats.org/drawingml/2006/diagram" xmlns:c="http://schemas.openxmlformats.org/drawingml/2006/chart" xmlns:mv="urn:schemas-microsoft-com:mac:vml" xmlns="">
       <p:transition spd="slow">
         <p:fade/>
       </p:transition>
@@ -15626,13 +15626,13 @@
   <p:clrMapOvr>
     <a:masterClrMapping/>
   </p:clrMapOvr>
-  <mc:AlternateContent xmlns:mc="http://schemas.openxmlformats.org/markup-compatibility/2006">
-    <mc:Choice xmlns:p14="http://schemas.microsoft.com/office/powerpoint/2010/main" Requires="p14">
+  <mc:AlternateContent xmlns:mc="http://schemas.openxmlformats.org/markup-compatibility/2006" xmlns:p14="http://schemas.microsoft.com/office/powerpoint/2010/main">
+    <mc:Choice Requires="p14">
       <p:transition spd="med" p14:dur="700">
         <p:fade/>
       </p:transition>
     </mc:Choice>
-    <mc:Fallback>
+    <mc:Fallback xmlns="">
       <p:transition spd="med">
         <p:fade/>
       </p:transition>
@@ -17436,7 +17436,7 @@
         <p:fade/>
       </p:transition>
     </mc:Choice>
-    <mc:Fallback xmlns="" xmlns:mv="urn:schemas-microsoft-com:mac:vml" xmlns:c="http://schemas.openxmlformats.org/drawingml/2006/chart" xmlns:dgm="http://schemas.openxmlformats.org/drawingml/2006/diagram" xmlns:o="urn:schemas-microsoft-com:office:office" xmlns:v="urn:schemas-microsoft-com:vml" xmlns:pvml="urn:schemas-microsoft-com:office:powerpoint" xmlns:com="http://schemas.openxmlformats.org/drawingml/2006/compatibility" xmlns:p15="http://schemas.microsoft.com/office/powerpoint/2012/main" xmlns:ahyp="http://schemas.microsoft.com/office/drawing/2018/hyperlinkcolor">
+    <mc:Fallback xmlns:ahyp="http://schemas.microsoft.com/office/drawing/2018/hyperlinkcolor" xmlns:p15="http://schemas.microsoft.com/office/powerpoint/2012/main" xmlns:com="http://schemas.openxmlformats.org/drawingml/2006/compatibility" xmlns:pvml="urn:schemas-microsoft-com:office:powerpoint" xmlns:v="urn:schemas-microsoft-com:vml" xmlns:o="urn:schemas-microsoft-com:office:office" xmlns:dgm="http://schemas.openxmlformats.org/drawingml/2006/diagram" xmlns:c="http://schemas.openxmlformats.org/drawingml/2006/chart" xmlns:mv="urn:schemas-microsoft-com:mac:vml" xmlns="">
       <p:transition spd="slow">
         <p:fade/>
       </p:transition>
@@ -17830,7 +17830,7 @@
         <p:fade/>
       </p:transition>
     </mc:Choice>
-    <mc:Fallback xmlns="" xmlns:mv="urn:schemas-microsoft-com:mac:vml" xmlns:c="http://schemas.openxmlformats.org/drawingml/2006/chart" xmlns:dgm="http://schemas.openxmlformats.org/drawingml/2006/diagram" xmlns:o="urn:schemas-microsoft-com:office:office" xmlns:v="urn:schemas-microsoft-com:vml" xmlns:pvml="urn:schemas-microsoft-com:office:powerpoint" xmlns:com="http://schemas.openxmlformats.org/drawingml/2006/compatibility" xmlns:p15="http://schemas.microsoft.com/office/powerpoint/2012/main" xmlns:ahyp="http://schemas.microsoft.com/office/drawing/2018/hyperlinkcolor">
+    <mc:Fallback xmlns:ahyp="http://schemas.microsoft.com/office/drawing/2018/hyperlinkcolor" xmlns:p15="http://schemas.microsoft.com/office/powerpoint/2012/main" xmlns:com="http://schemas.openxmlformats.org/drawingml/2006/compatibility" xmlns:pvml="urn:schemas-microsoft-com:office:powerpoint" xmlns:v="urn:schemas-microsoft-com:vml" xmlns:o="urn:schemas-microsoft-com:office:office" xmlns:dgm="http://schemas.openxmlformats.org/drawingml/2006/diagram" xmlns:c="http://schemas.openxmlformats.org/drawingml/2006/chart" xmlns:mv="urn:schemas-microsoft-com:mac:vml" xmlns="">
       <p:transition spd="slow">
         <p:fade/>
       </p:transition>
@@ -18045,7 +18045,7 @@
         <p:fade/>
       </p:transition>
     </mc:Choice>
-    <mc:Fallback xmlns="" xmlns:mv="urn:schemas-microsoft-com:mac:vml" xmlns:c="http://schemas.openxmlformats.org/drawingml/2006/chart" xmlns:dgm="http://schemas.openxmlformats.org/drawingml/2006/diagram" xmlns:o="urn:schemas-microsoft-com:office:office" xmlns:v="urn:schemas-microsoft-com:vml" xmlns:pvml="urn:schemas-microsoft-com:office:powerpoint" xmlns:com="http://schemas.openxmlformats.org/drawingml/2006/compatibility" xmlns:p15="http://schemas.microsoft.com/office/powerpoint/2012/main" xmlns:ahyp="http://schemas.microsoft.com/office/drawing/2018/hyperlinkcolor">
+    <mc:Fallback xmlns:ahyp="http://schemas.microsoft.com/office/drawing/2018/hyperlinkcolor" xmlns:p15="http://schemas.microsoft.com/office/powerpoint/2012/main" xmlns:com="http://schemas.openxmlformats.org/drawingml/2006/compatibility" xmlns:pvml="urn:schemas-microsoft-com:office:powerpoint" xmlns:v="urn:schemas-microsoft-com:vml" xmlns:o="urn:schemas-microsoft-com:office:office" xmlns:dgm="http://schemas.openxmlformats.org/drawingml/2006/diagram" xmlns:c="http://schemas.openxmlformats.org/drawingml/2006/chart" xmlns:mv="urn:schemas-microsoft-com:mac:vml" xmlns="">
       <p:transition spd="slow">
         <p:fade/>
       </p:transition>
@@ -18261,7 +18261,7 @@
         <p:fade/>
       </p:transition>
     </mc:Choice>
-    <mc:Fallback xmlns="" xmlns:mv="urn:schemas-microsoft-com:mac:vml" xmlns:c="http://schemas.openxmlformats.org/drawingml/2006/chart" xmlns:dgm="http://schemas.openxmlformats.org/drawingml/2006/diagram" xmlns:o="urn:schemas-microsoft-com:office:office" xmlns:v="urn:schemas-microsoft-com:vml" xmlns:pvml="urn:schemas-microsoft-com:office:powerpoint" xmlns:com="http://schemas.openxmlformats.org/drawingml/2006/compatibility" xmlns:p15="http://schemas.microsoft.com/office/powerpoint/2012/main" xmlns:ahyp="http://schemas.microsoft.com/office/drawing/2018/hyperlinkcolor">
+    <mc:Fallback xmlns:ahyp="http://schemas.microsoft.com/office/drawing/2018/hyperlinkcolor" xmlns:p15="http://schemas.microsoft.com/office/powerpoint/2012/main" xmlns:com="http://schemas.openxmlformats.org/drawingml/2006/compatibility" xmlns:pvml="urn:schemas-microsoft-com:office:powerpoint" xmlns:v="urn:schemas-microsoft-com:vml" xmlns:o="urn:schemas-microsoft-com:office:office" xmlns:dgm="http://schemas.openxmlformats.org/drawingml/2006/diagram" xmlns:c="http://schemas.openxmlformats.org/drawingml/2006/chart" xmlns:mv="urn:schemas-microsoft-com:mac:vml" xmlns="">
       <p:transition spd="slow">
         <p:fade/>
       </p:transition>
@@ -18477,7 +18477,7 @@
         <p:fade/>
       </p:transition>
     </mc:Choice>
-    <mc:Fallback xmlns="" xmlns:mv="urn:schemas-microsoft-com:mac:vml" xmlns:c="http://schemas.openxmlformats.org/drawingml/2006/chart" xmlns:dgm="http://schemas.openxmlformats.org/drawingml/2006/diagram" xmlns:o="urn:schemas-microsoft-com:office:office" xmlns:v="urn:schemas-microsoft-com:vml" xmlns:pvml="urn:schemas-microsoft-com:office:powerpoint" xmlns:com="http://schemas.openxmlformats.org/drawingml/2006/compatibility" xmlns:p15="http://schemas.microsoft.com/office/powerpoint/2012/main" xmlns:ahyp="http://schemas.microsoft.com/office/drawing/2018/hyperlinkcolor">
+    <mc:Fallback xmlns:ahyp="http://schemas.microsoft.com/office/drawing/2018/hyperlinkcolor" xmlns:p15="http://schemas.microsoft.com/office/powerpoint/2012/main" xmlns:com="http://schemas.openxmlformats.org/drawingml/2006/compatibility" xmlns:pvml="urn:schemas-microsoft-com:office:powerpoint" xmlns:v="urn:schemas-microsoft-com:vml" xmlns:o="urn:schemas-microsoft-com:office:office" xmlns:dgm="http://schemas.openxmlformats.org/drawingml/2006/diagram" xmlns:c="http://schemas.openxmlformats.org/drawingml/2006/chart" xmlns:mv="urn:schemas-microsoft-com:mac:vml" xmlns="">
       <p:transition spd="slow">
         <p:fade/>
       </p:transition>
@@ -18549,7 +18549,7 @@
                 <a:cs typeface="Calibri" panose="020F0502020204030204" pitchFamily="34" charset="0"/>
                 <a:sym typeface="Arial"/>
               </a:rPr>
-              <a:t>אלגוריתמים כלכליים – מחקר לתואר שני</a:t>
+              <a:t>המשך: פרוייקט שנתי או תואר שני</a:t>
             </a:r>
             <a:endParaRPr sz="7500" b="1" i="0" u="none" strike="noStrike" cap="none" dirty="0">
               <a:solidFill>
@@ -18713,7 +18713,7 @@
                 <a:latin typeface="MoolBoran" panose="020F0502020204030204" pitchFamily="34" charset="0"/>
                 <a:cs typeface="Nachlieli CLM" panose="02000603000000000000" pitchFamily="50" charset="-79"/>
               </a:rPr>
-              <a:t>אתר המעבדה לאלגוריתמים כלכליים:</a:t>
+              <a:t>דוגמאות לפרויקטים:</a:t>
             </a:r>
             <a:r>
               <a:rPr lang="en-US" sz="6000">
@@ -18798,7 +18798,7 @@
 </file>
 
 <file path=ppt/slides/slide7.xml><?xml version="1.0" encoding="utf-8"?>
-<p:sld xmlns:a="http://schemas.openxmlformats.org/drawingml/2006/main" xmlns:r="http://schemas.openxmlformats.org/officeDocument/2006/relationships" xmlns:p="http://schemas.openxmlformats.org/presentationml/2006/main">
+<p:sld xmlns:a="http://schemas.openxmlformats.org/drawingml/2006/main" xmlns:r="http://schemas.openxmlformats.org/officeDocument/2006/relationships" xmlns:p="http://schemas.openxmlformats.org/presentationml/2006/main" show="0">
   <p:cSld>
     <p:spTree>
       <p:nvGrpSpPr>
@@ -18922,7 +18922,7 @@
         </p:blipFill>
         <p:spPr>
           <a:xfrm>
-            <a:off x="3132812" y="2193813"/>
+            <a:off x="3145512" y="2295413"/>
             <a:ext cx="10583188" cy="7576348"/>
           </a:xfrm>
           <a:prstGeom prst="rect">
@@ -18940,13 +18940,13 @@
   <p:clrMapOvr>
     <a:masterClrMapping/>
   </p:clrMapOvr>
-  <mc:AlternateContent xmlns:mc="http://schemas.openxmlformats.org/markup-compatibility/2006" xmlns:p14="http://schemas.microsoft.com/office/powerpoint/2010/main">
-    <mc:Choice Requires="p14">
+  <mc:AlternateContent xmlns:mc="http://schemas.openxmlformats.org/markup-compatibility/2006">
+    <mc:Choice xmlns:p14="http://schemas.microsoft.com/office/powerpoint/2010/main" Requires="p14">
       <p:transition spd="med" p14:dur="700">
         <p:fade/>
       </p:transition>
     </mc:Choice>
-    <mc:Fallback xmlns="">
+    <mc:Fallback>
       <p:transition spd="med">
         <p:fade/>
       </p:transition>
@@ -19069,7 +19069,7 @@
         <p:fade/>
       </p:transition>
     </mc:Choice>
-    <mc:Fallback xmlns="" xmlns:mv="urn:schemas-microsoft-com:mac:vml" xmlns:c="http://schemas.openxmlformats.org/drawingml/2006/chart" xmlns:dgm="http://schemas.openxmlformats.org/drawingml/2006/diagram" xmlns:o="urn:schemas-microsoft-com:office:office" xmlns:v="urn:schemas-microsoft-com:vml" xmlns:pvml="urn:schemas-microsoft-com:office:powerpoint" xmlns:com="http://schemas.openxmlformats.org/drawingml/2006/compatibility" xmlns:p15="http://schemas.microsoft.com/office/powerpoint/2012/main" xmlns:ahyp="http://schemas.microsoft.com/office/drawing/2018/hyperlinkcolor">
+    <mc:Fallback xmlns:ahyp="http://schemas.microsoft.com/office/drawing/2018/hyperlinkcolor" xmlns:p15="http://schemas.microsoft.com/office/powerpoint/2012/main" xmlns:com="http://schemas.openxmlformats.org/drawingml/2006/compatibility" xmlns:pvml="urn:schemas-microsoft-com:office:powerpoint" xmlns:v="urn:schemas-microsoft-com:vml" xmlns:o="urn:schemas-microsoft-com:office:office" xmlns:dgm="http://schemas.openxmlformats.org/drawingml/2006/diagram" xmlns:c="http://schemas.openxmlformats.org/drawingml/2006/chart" xmlns:mv="urn:schemas-microsoft-com:mac:vml" xmlns="">
       <p:transition spd="slow">
         <p:fade/>
       </p:transition>
@@ -19928,7 +19928,7 @@
         <p:fade/>
       </p:transition>
     </mc:Choice>
-    <mc:Fallback xmlns="" xmlns:mv="urn:schemas-microsoft-com:mac:vml" xmlns:c="http://schemas.openxmlformats.org/drawingml/2006/chart" xmlns:dgm="http://schemas.openxmlformats.org/drawingml/2006/diagram" xmlns:o="urn:schemas-microsoft-com:office:office" xmlns:v="urn:schemas-microsoft-com:vml" xmlns:pvml="urn:schemas-microsoft-com:office:powerpoint" xmlns:com="http://schemas.openxmlformats.org/drawingml/2006/compatibility" xmlns:p15="http://schemas.microsoft.com/office/powerpoint/2012/main" xmlns:ahyp="http://schemas.microsoft.com/office/drawing/2018/hyperlinkcolor">
+    <mc:Fallback xmlns:ahyp="http://schemas.microsoft.com/office/drawing/2018/hyperlinkcolor" xmlns:p15="http://schemas.microsoft.com/office/powerpoint/2012/main" xmlns:com="http://schemas.openxmlformats.org/drawingml/2006/compatibility" xmlns:pvml="urn:schemas-microsoft-com:office:powerpoint" xmlns:v="urn:schemas-microsoft-com:vml" xmlns:o="urn:schemas-microsoft-com:office:office" xmlns:dgm="http://schemas.openxmlformats.org/drawingml/2006/diagram" xmlns:c="http://schemas.openxmlformats.org/drawingml/2006/chart" xmlns:mv="urn:schemas-microsoft-com:mac:vml" xmlns="">
       <p:transition spd="slow">
         <p:fade/>
       </p:transition>

--- a/00-introduction/introduction-slides.pptx
+++ b/00-introduction/introduction-slides.pptx
@@ -282,7 +282,7 @@
       </p15:sldGuideLst>
     </p:ext>
     <p:ext uri="GoogleSlidesCustomDataVersion2">
-      <go:slidesCustomData xmlns:go="http://customooxmlschemas.google.com/" xmlns:ahyp="http://schemas.microsoft.com/office/drawing/2018/hyperlinkcolor" xmlns:p15="http://schemas.microsoft.com/office/powerpoint/2012/main" xmlns:p14="http://schemas.microsoft.com/office/powerpoint/2010/main" xmlns:com="http://schemas.openxmlformats.org/drawingml/2006/compatibility" xmlns:pvml="urn:schemas-microsoft-com:office:powerpoint" xmlns:v="urn:schemas-microsoft-com:vml" xmlns:o="urn:schemas-microsoft-com:office:office" xmlns:dgm="http://schemas.openxmlformats.org/drawingml/2006/diagram" xmlns:c="http://schemas.openxmlformats.org/drawingml/2006/chart" xmlns:mv="urn:schemas-microsoft-com:mac:vml" xmlns:mc="http://schemas.openxmlformats.org/markup-compatibility/2006" xmlns="" r:id="rId31" roundtripDataSignature="AMtx7mgec6XkJrYLMqIfmNf7DzA/BRS6YA=="/>
+      <go:slidesCustomData xmlns="" xmlns:mc="http://schemas.openxmlformats.org/markup-compatibility/2006" xmlns:mv="urn:schemas-microsoft-com:mac:vml" xmlns:c="http://schemas.openxmlformats.org/drawingml/2006/chart" xmlns:dgm="http://schemas.openxmlformats.org/drawingml/2006/diagram" xmlns:o="urn:schemas-microsoft-com:office:office" xmlns:v="urn:schemas-microsoft-com:vml" xmlns:pvml="urn:schemas-microsoft-com:office:powerpoint" xmlns:com="http://schemas.openxmlformats.org/drawingml/2006/compatibility" xmlns:p14="http://schemas.microsoft.com/office/powerpoint/2010/main" xmlns:p15="http://schemas.microsoft.com/office/powerpoint/2012/main" xmlns:ahyp="http://schemas.microsoft.com/office/drawing/2018/hyperlinkcolor" xmlns:go="http://customooxmlschemas.google.com/" r:id="rId31" roundtripDataSignature="AMtx7mgec6XkJrYLMqIfmNf7DzA/BRS6YA=="/>
     </p:ext>
   </p:extLst>
 </p:presentation>
@@ -13402,7 +13402,7 @@
         <p:fade/>
       </p:transition>
     </mc:Choice>
-    <mc:Fallback xmlns:ahyp="http://schemas.microsoft.com/office/drawing/2018/hyperlinkcolor" xmlns:p15="http://schemas.microsoft.com/office/powerpoint/2012/main" xmlns:com="http://schemas.openxmlformats.org/drawingml/2006/compatibility" xmlns:pvml="urn:schemas-microsoft-com:office:powerpoint" xmlns:v="urn:schemas-microsoft-com:vml" xmlns:o="urn:schemas-microsoft-com:office:office" xmlns:dgm="http://schemas.openxmlformats.org/drawingml/2006/diagram" xmlns:c="http://schemas.openxmlformats.org/drawingml/2006/chart" xmlns:mv="urn:schemas-microsoft-com:mac:vml" xmlns="">
+    <mc:Fallback xmlns="" xmlns:mv="urn:schemas-microsoft-com:mac:vml" xmlns:c="http://schemas.openxmlformats.org/drawingml/2006/chart" xmlns:dgm="http://schemas.openxmlformats.org/drawingml/2006/diagram" xmlns:o="urn:schemas-microsoft-com:office:office" xmlns:v="urn:schemas-microsoft-com:vml" xmlns:pvml="urn:schemas-microsoft-com:office:powerpoint" xmlns:com="http://schemas.openxmlformats.org/drawingml/2006/compatibility" xmlns:p15="http://schemas.microsoft.com/office/powerpoint/2012/main" xmlns:ahyp="http://schemas.microsoft.com/office/drawing/2018/hyperlinkcolor">
       <p:transition spd="slow">
         <p:fade/>
       </p:transition>
@@ -13727,7 +13727,7 @@
         <p:spPr>
           <a:xfrm>
             <a:off x="812636" y="1956532"/>
-            <a:ext cx="15174616" cy="2576090"/>
+            <a:ext cx="15174616" cy="1717393"/>
           </a:xfrm>
           <a:prstGeom prst="rect">
             <a:avLst/>
@@ -13764,42 +13764,8 @@
                 <a:cs typeface="Calibri" panose="020F0502020204030204" pitchFamily="34" charset="0"/>
                 <a:sym typeface="Arial"/>
               </a:rPr>
-              <a:t>שאלות כלליות – בקבוצת הדיוור של הקורס: </a:t>
+              <a:t>שאלות כלליות – בקבוצת הדיוור של הקורס. </a:t>
             </a:r>
-          </a:p>
-          <a:p>
-            <a:pPr marL="0" marR="0" lvl="0" indent="0" algn="l">
-              <a:lnSpc>
-                <a:spcPct val="93305"/>
-              </a:lnSpc>
-              <a:spcBef>
-                <a:spcPts val="0"/>
-              </a:spcBef>
-              <a:spcAft>
-                <a:spcPts val="0"/>
-              </a:spcAft>
-              <a:buNone/>
-            </a:pPr>
-            <a:r>
-              <a:rPr lang="en-US" sz="6000">
-                <a:solidFill>
-                  <a:srgbClr val="081D3F"/>
-                </a:solidFill>
-                <a:latin typeface="Calibri" panose="020F0502020204030204" pitchFamily="34" charset="0"/>
-                <a:cs typeface="Calibri" panose="020F0502020204030204" pitchFamily="34" charset="0"/>
-                <a:sym typeface="Arial"/>
-                <a:hlinkClick r:id="rId6"/>
-              </a:rPr>
-              <a:t>economic-algorithms-5786@googlegroups.com</a:t>
-            </a:r>
-            <a:endParaRPr lang="he-IL" sz="6000">
-              <a:solidFill>
-                <a:srgbClr val="081D3F"/>
-              </a:solidFill>
-              <a:latin typeface="Calibri" panose="020F0502020204030204" pitchFamily="34" charset="0"/>
-              <a:cs typeface="Calibri" panose="020F0502020204030204" pitchFamily="34" charset="0"/>
-              <a:sym typeface="Arial"/>
-            </a:endParaRPr>
           </a:p>
           <a:p>
             <a:pPr marL="0" marR="0" lvl="0" indent="0" algn="r" rtl="1">
@@ -13821,8 +13787,19 @@
                 </a:solidFill>
                 <a:latin typeface="Calibri" panose="020F0502020204030204" pitchFamily="34" charset="0"/>
                 <a:cs typeface="Calibri" panose="020F0502020204030204" pitchFamily="34" charset="0"/>
+                <a:sym typeface="Arial"/>
               </a:rPr>
-              <a:t>הרשמה דרך מוודל</a:t>
+              <a:t>קישור להרשמה נמצא ב</a:t>
+            </a:r>
+            <a:r>
+              <a:rPr lang="he-IL" sz="6000">
+                <a:solidFill>
+                  <a:srgbClr val="081D3F"/>
+                </a:solidFill>
+                <a:latin typeface="Calibri" panose="020F0502020204030204" pitchFamily="34" charset="0"/>
+                <a:cs typeface="Calibri" panose="020F0502020204030204" pitchFamily="34" charset="0"/>
+              </a:rPr>
+              <a:t>מוודל.</a:t>
             </a:r>
             <a:endParaRPr sz="6000" dirty="0">
               <a:latin typeface="Calibri" panose="020F0502020204030204" pitchFamily="34" charset="0"/>
@@ -14007,7 +13984,7 @@
           <p:nvPr/>
         </p:nvPicPr>
         <p:blipFill rotWithShape="1">
-          <a:blip r:embed="rId7">
+          <a:blip r:embed="rId6">
             <a:alphaModFix/>
           </a:blip>
           <a:srcRect/>
@@ -14129,7 +14106,7 @@
           <p:nvPr/>
         </p:nvPicPr>
         <p:blipFill rotWithShape="1">
-          <a:blip r:embed="rId8">
+          <a:blip r:embed="rId7">
             <a:alphaModFix/>
             <a:biLevel thresh="25000"/>
           </a:blip>
@@ -14161,7 +14138,7 @@
         <p:fade/>
       </p:transition>
     </mc:Choice>
-    <mc:Fallback xmlns:ahyp="http://schemas.microsoft.com/office/drawing/2018/hyperlinkcolor" xmlns:p15="http://schemas.microsoft.com/office/powerpoint/2012/main" xmlns:com="http://schemas.openxmlformats.org/drawingml/2006/compatibility" xmlns:pvml="urn:schemas-microsoft-com:office:powerpoint" xmlns:v="urn:schemas-microsoft-com:vml" xmlns:o="urn:schemas-microsoft-com:office:office" xmlns:dgm="http://schemas.openxmlformats.org/drawingml/2006/diagram" xmlns:c="http://schemas.openxmlformats.org/drawingml/2006/chart" xmlns:mv="urn:schemas-microsoft-com:mac:vml" xmlns="">
+    <mc:Fallback xmlns="" xmlns:mv="urn:schemas-microsoft-com:mac:vml" xmlns:c="http://schemas.openxmlformats.org/drawingml/2006/chart" xmlns:dgm="http://schemas.openxmlformats.org/drawingml/2006/diagram" xmlns:o="urn:schemas-microsoft-com:office:office" xmlns:v="urn:schemas-microsoft-com:vml" xmlns:pvml="urn:schemas-microsoft-com:office:powerpoint" xmlns:com="http://schemas.openxmlformats.org/drawingml/2006/compatibility" xmlns:p15="http://schemas.microsoft.com/office/powerpoint/2012/main" xmlns:ahyp="http://schemas.microsoft.com/office/drawing/2018/hyperlinkcolor">
       <p:transition spd="slow">
         <p:fade/>
       </p:transition>
@@ -17436,7 +17413,7 @@
         <p:fade/>
       </p:transition>
     </mc:Choice>
-    <mc:Fallback xmlns:ahyp="http://schemas.microsoft.com/office/drawing/2018/hyperlinkcolor" xmlns:p15="http://schemas.microsoft.com/office/powerpoint/2012/main" xmlns:com="http://schemas.openxmlformats.org/drawingml/2006/compatibility" xmlns:pvml="urn:schemas-microsoft-com:office:powerpoint" xmlns:v="urn:schemas-microsoft-com:vml" xmlns:o="urn:schemas-microsoft-com:office:office" xmlns:dgm="http://schemas.openxmlformats.org/drawingml/2006/diagram" xmlns:c="http://schemas.openxmlformats.org/drawingml/2006/chart" xmlns:mv="urn:schemas-microsoft-com:mac:vml" xmlns="">
+    <mc:Fallback xmlns="" xmlns:mv="urn:schemas-microsoft-com:mac:vml" xmlns:c="http://schemas.openxmlformats.org/drawingml/2006/chart" xmlns:dgm="http://schemas.openxmlformats.org/drawingml/2006/diagram" xmlns:o="urn:schemas-microsoft-com:office:office" xmlns:v="urn:schemas-microsoft-com:vml" xmlns:pvml="urn:schemas-microsoft-com:office:powerpoint" xmlns:com="http://schemas.openxmlformats.org/drawingml/2006/compatibility" xmlns:p15="http://schemas.microsoft.com/office/powerpoint/2012/main" xmlns:ahyp="http://schemas.microsoft.com/office/drawing/2018/hyperlinkcolor">
       <p:transition spd="slow">
         <p:fade/>
       </p:transition>
@@ -17830,7 +17807,7 @@
         <p:fade/>
       </p:transition>
     </mc:Choice>
-    <mc:Fallback xmlns:ahyp="http://schemas.microsoft.com/office/drawing/2018/hyperlinkcolor" xmlns:p15="http://schemas.microsoft.com/office/powerpoint/2012/main" xmlns:com="http://schemas.openxmlformats.org/drawingml/2006/compatibility" xmlns:pvml="urn:schemas-microsoft-com:office:powerpoint" xmlns:v="urn:schemas-microsoft-com:vml" xmlns:o="urn:schemas-microsoft-com:office:office" xmlns:dgm="http://schemas.openxmlformats.org/drawingml/2006/diagram" xmlns:c="http://schemas.openxmlformats.org/drawingml/2006/chart" xmlns:mv="urn:schemas-microsoft-com:mac:vml" xmlns="">
+    <mc:Fallback xmlns="" xmlns:mv="urn:schemas-microsoft-com:mac:vml" xmlns:c="http://schemas.openxmlformats.org/drawingml/2006/chart" xmlns:dgm="http://schemas.openxmlformats.org/drawingml/2006/diagram" xmlns:o="urn:schemas-microsoft-com:office:office" xmlns:v="urn:schemas-microsoft-com:vml" xmlns:pvml="urn:schemas-microsoft-com:office:powerpoint" xmlns:com="http://schemas.openxmlformats.org/drawingml/2006/compatibility" xmlns:p15="http://schemas.microsoft.com/office/powerpoint/2012/main" xmlns:ahyp="http://schemas.microsoft.com/office/drawing/2018/hyperlinkcolor">
       <p:transition spd="slow">
         <p:fade/>
       </p:transition>
@@ -18045,7 +18022,7 @@
         <p:fade/>
       </p:transition>
     </mc:Choice>
-    <mc:Fallback xmlns:ahyp="http://schemas.microsoft.com/office/drawing/2018/hyperlinkcolor" xmlns:p15="http://schemas.microsoft.com/office/powerpoint/2012/main" xmlns:com="http://schemas.openxmlformats.org/drawingml/2006/compatibility" xmlns:pvml="urn:schemas-microsoft-com:office:powerpoint" xmlns:v="urn:schemas-microsoft-com:vml" xmlns:o="urn:schemas-microsoft-com:office:office" xmlns:dgm="http://schemas.openxmlformats.org/drawingml/2006/diagram" xmlns:c="http://schemas.openxmlformats.org/drawingml/2006/chart" xmlns:mv="urn:schemas-microsoft-com:mac:vml" xmlns="">
+    <mc:Fallback xmlns="" xmlns:mv="urn:schemas-microsoft-com:mac:vml" xmlns:c="http://schemas.openxmlformats.org/drawingml/2006/chart" xmlns:dgm="http://schemas.openxmlformats.org/drawingml/2006/diagram" xmlns:o="urn:schemas-microsoft-com:office:office" xmlns:v="urn:schemas-microsoft-com:vml" xmlns:pvml="urn:schemas-microsoft-com:office:powerpoint" xmlns:com="http://schemas.openxmlformats.org/drawingml/2006/compatibility" xmlns:p15="http://schemas.microsoft.com/office/powerpoint/2012/main" xmlns:ahyp="http://schemas.microsoft.com/office/drawing/2018/hyperlinkcolor">
       <p:transition spd="slow">
         <p:fade/>
       </p:transition>
@@ -18261,7 +18238,7 @@
         <p:fade/>
       </p:transition>
     </mc:Choice>
-    <mc:Fallback xmlns:ahyp="http://schemas.microsoft.com/office/drawing/2018/hyperlinkcolor" xmlns:p15="http://schemas.microsoft.com/office/powerpoint/2012/main" xmlns:com="http://schemas.openxmlformats.org/drawingml/2006/compatibility" xmlns:pvml="urn:schemas-microsoft-com:office:powerpoint" xmlns:v="urn:schemas-microsoft-com:vml" xmlns:o="urn:schemas-microsoft-com:office:office" xmlns:dgm="http://schemas.openxmlformats.org/drawingml/2006/diagram" xmlns:c="http://schemas.openxmlformats.org/drawingml/2006/chart" xmlns:mv="urn:schemas-microsoft-com:mac:vml" xmlns="">
+    <mc:Fallback xmlns="" xmlns:mv="urn:schemas-microsoft-com:mac:vml" xmlns:c="http://schemas.openxmlformats.org/drawingml/2006/chart" xmlns:dgm="http://schemas.openxmlformats.org/drawingml/2006/diagram" xmlns:o="urn:schemas-microsoft-com:office:office" xmlns:v="urn:schemas-microsoft-com:vml" xmlns:pvml="urn:schemas-microsoft-com:office:powerpoint" xmlns:com="http://schemas.openxmlformats.org/drawingml/2006/compatibility" xmlns:p15="http://schemas.microsoft.com/office/powerpoint/2012/main" xmlns:ahyp="http://schemas.microsoft.com/office/drawing/2018/hyperlinkcolor">
       <p:transition spd="slow">
         <p:fade/>
       </p:transition>
@@ -18477,7 +18454,7 @@
         <p:fade/>
       </p:transition>
     </mc:Choice>
-    <mc:Fallback xmlns:ahyp="http://schemas.microsoft.com/office/drawing/2018/hyperlinkcolor" xmlns:p15="http://schemas.microsoft.com/office/powerpoint/2012/main" xmlns:com="http://schemas.openxmlformats.org/drawingml/2006/compatibility" xmlns:pvml="urn:schemas-microsoft-com:office:powerpoint" xmlns:v="urn:schemas-microsoft-com:vml" xmlns:o="urn:schemas-microsoft-com:office:office" xmlns:dgm="http://schemas.openxmlformats.org/drawingml/2006/diagram" xmlns:c="http://schemas.openxmlformats.org/drawingml/2006/chart" xmlns:mv="urn:schemas-microsoft-com:mac:vml" xmlns="">
+    <mc:Fallback xmlns="" xmlns:mv="urn:schemas-microsoft-com:mac:vml" xmlns:c="http://schemas.openxmlformats.org/drawingml/2006/chart" xmlns:dgm="http://schemas.openxmlformats.org/drawingml/2006/diagram" xmlns:o="urn:schemas-microsoft-com:office:office" xmlns:v="urn:schemas-microsoft-com:vml" xmlns:pvml="urn:schemas-microsoft-com:office:powerpoint" xmlns:com="http://schemas.openxmlformats.org/drawingml/2006/compatibility" xmlns:p15="http://schemas.microsoft.com/office/powerpoint/2012/main" xmlns:ahyp="http://schemas.microsoft.com/office/drawing/2018/hyperlinkcolor">
       <p:transition spd="slow">
         <p:fade/>
       </p:transition>
@@ -18940,13 +18917,13 @@
   <p:clrMapOvr>
     <a:masterClrMapping/>
   </p:clrMapOvr>
-  <mc:AlternateContent xmlns:mc="http://schemas.openxmlformats.org/markup-compatibility/2006">
-    <mc:Choice xmlns:p14="http://schemas.microsoft.com/office/powerpoint/2010/main" Requires="p14">
+  <mc:AlternateContent xmlns:mc="http://schemas.openxmlformats.org/markup-compatibility/2006" xmlns:p14="http://schemas.microsoft.com/office/powerpoint/2010/main">
+    <mc:Choice Requires="p14">
       <p:transition spd="med" p14:dur="700">
         <p:fade/>
       </p:transition>
     </mc:Choice>
-    <mc:Fallback>
+    <mc:Fallback xmlns="">
       <p:transition spd="med">
         <p:fade/>
       </p:transition>
@@ -19069,7 +19046,7 @@
         <p:fade/>
       </p:transition>
     </mc:Choice>
-    <mc:Fallback xmlns:ahyp="http://schemas.microsoft.com/office/drawing/2018/hyperlinkcolor" xmlns:p15="http://schemas.microsoft.com/office/powerpoint/2012/main" xmlns:com="http://schemas.openxmlformats.org/drawingml/2006/compatibility" xmlns:pvml="urn:schemas-microsoft-com:office:powerpoint" xmlns:v="urn:schemas-microsoft-com:vml" xmlns:o="urn:schemas-microsoft-com:office:office" xmlns:dgm="http://schemas.openxmlformats.org/drawingml/2006/diagram" xmlns:c="http://schemas.openxmlformats.org/drawingml/2006/chart" xmlns:mv="urn:schemas-microsoft-com:mac:vml" xmlns="">
+    <mc:Fallback xmlns="" xmlns:mv="urn:schemas-microsoft-com:mac:vml" xmlns:c="http://schemas.openxmlformats.org/drawingml/2006/chart" xmlns:dgm="http://schemas.openxmlformats.org/drawingml/2006/diagram" xmlns:o="urn:schemas-microsoft-com:office:office" xmlns:v="urn:schemas-microsoft-com:vml" xmlns:pvml="urn:schemas-microsoft-com:office:powerpoint" xmlns:com="http://schemas.openxmlformats.org/drawingml/2006/compatibility" xmlns:p15="http://schemas.microsoft.com/office/powerpoint/2012/main" xmlns:ahyp="http://schemas.microsoft.com/office/drawing/2018/hyperlinkcolor">
       <p:transition spd="slow">
         <p:fade/>
       </p:transition>
@@ -19928,7 +19905,7 @@
         <p:fade/>
       </p:transition>
     </mc:Choice>
-    <mc:Fallback xmlns:ahyp="http://schemas.microsoft.com/office/drawing/2018/hyperlinkcolor" xmlns:p15="http://schemas.microsoft.com/office/powerpoint/2012/main" xmlns:com="http://schemas.openxmlformats.org/drawingml/2006/compatibility" xmlns:pvml="urn:schemas-microsoft-com:office:powerpoint" xmlns:v="urn:schemas-microsoft-com:vml" xmlns:o="urn:schemas-microsoft-com:office:office" xmlns:dgm="http://schemas.openxmlformats.org/drawingml/2006/diagram" xmlns:c="http://schemas.openxmlformats.org/drawingml/2006/chart" xmlns:mv="urn:schemas-microsoft-com:mac:vml" xmlns="">
+    <mc:Fallback xmlns="" xmlns:mv="urn:schemas-microsoft-com:mac:vml" xmlns:c="http://schemas.openxmlformats.org/drawingml/2006/chart" xmlns:dgm="http://schemas.openxmlformats.org/drawingml/2006/diagram" xmlns:o="urn:schemas-microsoft-com:office:office" xmlns:v="urn:schemas-microsoft-com:vml" xmlns:pvml="urn:schemas-microsoft-com:office:powerpoint" xmlns:com="http://schemas.openxmlformats.org/drawingml/2006/compatibility" xmlns:p15="http://schemas.microsoft.com/office/powerpoint/2012/main" xmlns:ahyp="http://schemas.microsoft.com/office/drawing/2018/hyperlinkcolor">
       <p:transition spd="slow">
         <p:fade/>
       </p:transition>
